--- a/ppt/Simanta Kumar Roy.pptx
+++ b/ppt/Simanta Kumar Roy.pptx
@@ -110,6 +110,11 @@
       </a:defRPr>
     </a:lvl9pPr>
   </p:defaultTextStyle>
+  <p:extLst>
+    <p:ext uri="{EFAFB233-063F-42B5-8137-9DF3F51BA10A}">
+      <p15:sldGuideLst xmlns:p15="http://schemas.microsoft.com/office/powerpoint/2012/main"/>
+    </p:ext>
+  </p:extLst>
 </p:presentation>
 </file>
 
@@ -15878,7 +15883,7 @@
         </p:nvSpPr>
         <p:spPr>
           <a:xfrm>
-            <a:off x="1899920" y="274320"/>
+            <a:off x="1899920" y="243497"/>
             <a:ext cx="8991600" cy="584775"/>
           </a:xfrm>
           <a:prstGeom prst="rect">
@@ -15922,14 +15927,69 @@
         </p:blipFill>
         <p:spPr>
           <a:xfrm>
-            <a:off x="2143125" y="963612"/>
-            <a:ext cx="7905750" cy="5438775"/>
+            <a:off x="838307" y="1303593"/>
+            <a:ext cx="6178942" cy="4250814"/>
           </a:xfrm>
           <a:prstGeom prst="rect">
             <a:avLst/>
           </a:prstGeom>
         </p:spPr>
       </p:pic>
+      <p:sp>
+        <p:nvSpPr>
+          <p:cNvPr id="3" name="TextBox 2">
+            <a:extLst>
+              <a:ext uri="{FF2B5EF4-FFF2-40B4-BE49-F238E27FC236}">
+                <a16:creationId xmlns:a16="http://schemas.microsoft.com/office/drawing/2014/main" id="{A795DD06-B511-3105-B78E-8DD9E5F28563}"/>
+              </a:ext>
+            </a:extLst>
+          </p:cNvPr>
+          <p:cNvSpPr txBox="1"/>
+          <p:nvPr/>
+        </p:nvSpPr>
+        <p:spPr>
+          <a:xfrm>
+            <a:off x="8209052" y="1982912"/>
+            <a:ext cx="3144641" cy="3349700"/>
+          </a:xfrm>
+          <a:prstGeom prst="rect">
+            <a:avLst/>
+          </a:prstGeom>
+          <a:noFill/>
+        </p:spPr>
+        <p:txBody>
+          <a:bodyPr wrap="square" rtlCol="0">
+            <a:spAutoFit/>
+          </a:bodyPr>
+          <a:lstStyle/>
+          <a:p>
+            <a:pPr marL="285750" indent="-285750">
+              <a:lnSpc>
+                <a:spcPct val="150000"/>
+              </a:lnSpc>
+              <a:buFont typeface="Arial" panose="020B0604020202020204" pitchFamily="34" charset="0"/>
+              <a:buChar char="•"/>
+            </a:pPr>
+            <a:r>
+              <a:rPr lang="en-US" sz="2400" dirty="0"/>
+              <a:t>The circuit requires 6 transistors.</a:t>
+            </a:r>
+          </a:p>
+          <a:p>
+            <a:pPr marL="285750" indent="-285750">
+              <a:lnSpc>
+                <a:spcPct val="150000"/>
+              </a:lnSpc>
+              <a:buFont typeface="Arial" panose="020B0604020202020204" pitchFamily="34" charset="0"/>
+              <a:buChar char="•"/>
+            </a:pPr>
+            <a:r>
+              <a:rPr lang="en-US" sz="2400" dirty="0"/>
+              <a:t> 4 to store the bit and 2 to control access to the cell.</a:t>
+            </a:r>
+          </a:p>
+        </p:txBody>
+      </p:sp>
     </p:spTree>
     <p:extLst>
       <p:ext uri="{BB962C8B-B14F-4D97-AF65-F5344CB8AC3E}">
